--- a/Slides/Lesson 6.5 Rewriting Your Function Using Map and Foldr.pptx
+++ b/Slides/Lesson 6.5 Rewriting Your Function Using Map and Foldr.pptx
@@ -251,7 +251,7 @@
             <a:fld id="{CF8F25F6-E1EF-4065-8525-42EDEBD9BD22}" type="datetimeFigureOut">
               <a:rPr lang="en-US" smtClean="0"/>
               <a:pPr/>
-              <a:t>9/6/2017</a:t>
+              <a:t>9/16/2017</a:t>
             </a:fld>
             <a:endParaRPr lang="en-US"/>
           </a:p>
@@ -1855,7 +1855,7 @@
           <a:p>
             <a:fld id="{2F1F79F5-7BEC-496A-AFC7-876E38F64D71}" type="datetime1">
               <a:rPr lang="en-US" smtClean="0"/>
-              <a:t>9/6/2017</a:t>
+              <a:t>9/16/2017</a:t>
             </a:fld>
             <a:endParaRPr lang="en-US"/>
           </a:p>
@@ -1950,7 +1950,7 @@
           <a:p>
             <a:fld id="{0A05703A-7669-4FEA-9056-25299B4D29D4}" type="datetime1">
               <a:rPr lang="en-US" smtClean="0"/>
-              <a:t>9/6/2017</a:t>
+              <a:t>9/16/2017</a:t>
             </a:fld>
             <a:endParaRPr lang="en-US"/>
           </a:p>
@@ -2225,7 +2225,7 @@
           <a:p>
             <a:fld id="{6E5077B5-BB57-49DB-88CA-226A139E5C01}" type="datetime1">
               <a:rPr lang="en-US" smtClean="0"/>
-              <a:t>9/6/2017</a:t>
+              <a:t>9/16/2017</a:t>
             </a:fld>
             <a:endParaRPr lang="en-US"/>
           </a:p>
@@ -2477,7 +2477,7 @@
           <a:p>
             <a:fld id="{C48D9447-CBD6-49A1-89FD-8512A8CF8999}" type="datetime1">
               <a:rPr lang="en-US" smtClean="0"/>
-              <a:t>9/6/2017</a:t>
+              <a:t>9/16/2017</a:t>
             </a:fld>
             <a:endParaRPr lang="en-US"/>
           </a:p>
@@ -2645,7 +2645,7 @@
           <a:p>
             <a:fld id="{A3639A2A-823D-48B7-9ACE-7FAF42870BA9}" type="datetime1">
               <a:rPr lang="en-US" smtClean="0"/>
-              <a:t>9/6/2017</a:t>
+              <a:t>9/16/2017</a:t>
             </a:fld>
             <a:endParaRPr lang="en-US"/>
           </a:p>
@@ -2823,7 +2823,7 @@
           <a:p>
             <a:fld id="{ED1B6996-82E9-463C-972C-7B56056E426C}" type="datetime1">
               <a:rPr lang="en-US" smtClean="0"/>
-              <a:t>9/6/2017</a:t>
+              <a:t>9/16/2017</a:t>
             </a:fld>
             <a:endParaRPr lang="en-US"/>
           </a:p>
@@ -2997,7 +2997,7 @@
           <a:p>
             <a:fld id="{E22ED4DA-448D-4BB1-B935-CC112220207B}" type="datetime1">
               <a:rPr lang="en-US" smtClean="0"/>
-              <a:t>9/6/2017</a:t>
+              <a:t>9/16/2017</a:t>
             </a:fld>
             <a:endParaRPr lang="en-US"/>
           </a:p>
@@ -3170,7 +3170,7 @@
           <a:p>
             <a:fld id="{E22ED4DA-448D-4BB1-B935-CC112220207B}" type="datetime1">
               <a:rPr lang="en-US" smtClean="0"/>
-              <a:t>9/6/2017</a:t>
+              <a:t>9/16/2017</a:t>
             </a:fld>
             <a:endParaRPr lang="en-US"/>
           </a:p>
@@ -3430,7 +3430,7 @@
           <a:p>
             <a:fld id="{FF5D65A6-AB94-4435-B0B7-3743215FA46C}" type="datetime1">
               <a:rPr lang="en-US" smtClean="0"/>
-              <a:t>9/6/2017</a:t>
+              <a:t>9/16/2017</a:t>
             </a:fld>
             <a:endParaRPr lang="en-US"/>
           </a:p>
@@ -3606,7 +3606,7 @@
           <a:p>
             <a:fld id="{FF5D65A6-AB94-4435-B0B7-3743215FA46C}" type="datetime1">
               <a:rPr lang="en-US" smtClean="0"/>
-              <a:t>9/6/2017</a:t>
+              <a:t>9/16/2017</a:t>
             </a:fld>
             <a:endParaRPr lang="en-US"/>
           </a:p>
@@ -3900,7 +3900,7 @@
           <a:p>
             <a:fld id="{7C193DC4-6EF0-48C9-B29C-616106A645E1}" type="datetime1">
               <a:rPr lang="en-US" smtClean="0"/>
-              <a:t>9/6/2017</a:t>
+              <a:t>9/16/2017</a:t>
             </a:fld>
             <a:endParaRPr lang="en-US"/>
           </a:p>
@@ -4185,7 +4185,7 @@
           <a:p>
             <a:fld id="{5D1846AD-9252-4647-9435-4C2AC365653A}" type="datetime1">
               <a:rPr lang="en-US" smtClean="0"/>
-              <a:t>9/6/2017</a:t>
+              <a:t>9/16/2017</a:t>
             </a:fld>
             <a:endParaRPr lang="en-US"/>
           </a:p>
@@ -4604,7 +4604,7 @@
           <a:p>
             <a:fld id="{CE56DC10-3561-4063-A6AF-C1CC7A41040A}" type="datetime1">
               <a:rPr lang="en-US" smtClean="0"/>
-              <a:t>9/6/2017</a:t>
+              <a:t>9/16/2017</a:t>
             </a:fld>
             <a:endParaRPr lang="en-US"/>
           </a:p>
@@ -4721,7 +4721,7 @@
           <a:p>
             <a:fld id="{2F7B77F5-1464-4F6B-92A8-64FC8A508293}" type="datetime1">
               <a:rPr lang="en-US" smtClean="0"/>
-              <a:t>9/6/2017</a:t>
+              <a:t>9/16/2017</a:t>
             </a:fld>
             <a:endParaRPr lang="en-US"/>
           </a:p>
@@ -4944,7 +4944,7 @@
           <a:p>
             <a:fld id="{02B3F677-983B-48DB-ADFD-63FE6CBC7FB2}" type="datetime1">
               <a:rPr lang="en-US" smtClean="0"/>
-              <a:t>9/6/2017</a:t>
+              <a:t>9/16/2017</a:t>
             </a:fld>
             <a:endParaRPr lang="en-US"/>
           </a:p>
@@ -5969,12 +5969,7 @@
             </a:schemeClr>
           </a:solidFill>
           <a:ln w="12700">
-            <a:solidFill>
-              <a:schemeClr val="tx2">
-                <a:lumMod val="60000"/>
-                <a:lumOff val="40000"/>
-              </a:schemeClr>
-            </a:solidFill>
+            <a:noFill/>
           </a:ln>
         </p:spPr>
         <p:txBody>
@@ -6153,28 +6148,14 @@
                 <a:latin typeface="Consolas" pitchFamily="49" charset="0"/>
                 <a:cs typeface="Consolas" pitchFamily="49" charset="0"/>
               </a:rPr>
-              <a:t>;; f : </a:t>
+              <a:t>;; f : XList ...  -&gt; </a:t>
             </a:r>
             <a:r>
               <a:rPr lang="en-US" sz="2600" b="1" dirty="0" err="1">
                 <a:latin typeface="Consolas" pitchFamily="49" charset="0"/>
                 <a:cs typeface="Consolas" pitchFamily="49" charset="0"/>
               </a:rPr>
-              <a:t>ListOfX</a:t>
-            </a:r>
-            <a:r>
-              <a:rPr lang="en-US" sz="2600" b="1" dirty="0">
-                <a:latin typeface="Consolas" pitchFamily="49" charset="0"/>
-                <a:cs typeface="Consolas" pitchFamily="49" charset="0"/>
-              </a:rPr>
-              <a:t> ...  -&gt; </a:t>
-            </a:r>
-            <a:r>
-              <a:rPr lang="en-US" sz="2600" b="1" dirty="0" err="1">
-                <a:latin typeface="Consolas" pitchFamily="49" charset="0"/>
-                <a:cs typeface="Consolas" pitchFamily="49" charset="0"/>
-              </a:rPr>
-              <a:t>ListOfY</a:t>
+              <a:t>YList</a:t>
             </a:r>
             <a:endParaRPr lang="en-US" sz="2600" b="1" dirty="0">
               <a:latin typeface="Consolas" pitchFamily="49" charset="0"/>
@@ -6758,21 +6739,7 @@
                 <a:latin typeface="Consolas" pitchFamily="49" charset="0"/>
                 <a:cs typeface="Consolas" pitchFamily="49" charset="0"/>
               </a:rPr>
-              <a:t>;; f : </a:t>
-            </a:r>
-            <a:r>
-              <a:rPr lang="en-US" sz="2600" b="1" dirty="0" err="1">
-                <a:latin typeface="Consolas" pitchFamily="49" charset="0"/>
-                <a:cs typeface="Consolas" pitchFamily="49" charset="0"/>
-              </a:rPr>
-              <a:t>ListOfX</a:t>
-            </a:r>
-            <a:r>
-              <a:rPr lang="en-US" sz="2600" b="1" dirty="0">
-                <a:latin typeface="Consolas" pitchFamily="49" charset="0"/>
-                <a:cs typeface="Consolas" pitchFamily="49" charset="0"/>
-              </a:rPr>
-              <a:t> ... -&gt; Bool</a:t>
+              <a:t>;; f : XList ... -&gt; Bool</a:t>
             </a:r>
           </a:p>
           <a:p>
@@ -7360,21 +7327,7 @@
                 <a:latin typeface="Consolas" pitchFamily="49" charset="0"/>
                 <a:cs typeface="Consolas" pitchFamily="49" charset="0"/>
               </a:rPr>
-              <a:t>;; f : </a:t>
-            </a:r>
-            <a:r>
-              <a:rPr lang="en-US" sz="2600" b="1" dirty="0" err="1">
-                <a:latin typeface="Consolas" pitchFamily="49" charset="0"/>
-                <a:cs typeface="Consolas" pitchFamily="49" charset="0"/>
-              </a:rPr>
-              <a:t>ListOfX</a:t>
-            </a:r>
-            <a:r>
-              <a:rPr lang="en-US" sz="2600" b="1" dirty="0">
-                <a:latin typeface="Consolas" pitchFamily="49" charset="0"/>
-                <a:cs typeface="Consolas" pitchFamily="49" charset="0"/>
-              </a:rPr>
-              <a:t> ... -&gt; Bool</a:t>
+              <a:t>;; f : XList ... -&gt; Bool</a:t>
             </a:r>
           </a:p>
           <a:p>
@@ -7962,21 +7915,7 @@
                 <a:latin typeface="Consolas" pitchFamily="49" charset="0"/>
                 <a:cs typeface="Consolas" pitchFamily="49" charset="0"/>
               </a:rPr>
-              <a:t>;; f : </a:t>
-            </a:r>
-            <a:r>
-              <a:rPr lang="en-US" sz="2600" b="1" dirty="0" err="1">
-                <a:latin typeface="Consolas" pitchFamily="49" charset="0"/>
-                <a:cs typeface="Consolas" pitchFamily="49" charset="0"/>
-              </a:rPr>
-              <a:t>ListOfX</a:t>
-            </a:r>
-            <a:r>
-              <a:rPr lang="en-US" sz="2600" b="1" dirty="0">
-                <a:latin typeface="Consolas" pitchFamily="49" charset="0"/>
-                <a:cs typeface="Consolas" pitchFamily="49" charset="0"/>
-              </a:rPr>
-              <a:t> ... -&gt; ??</a:t>
+              <a:t>;; f : XList ... -&gt; ??</a:t>
             </a:r>
           </a:p>
           <a:p>
@@ -8338,33 +8277,8 @@
                 <a:latin typeface="Consolas" pitchFamily="49" charset="0"/>
                 <a:cs typeface="Consolas" pitchFamily="49" charset="0"/>
               </a:rPr>
-              <a:t>;; f : </a:t>
-            </a:r>
-            <a:r>
-              <a:rPr lang="en-US" sz="2600" b="1" dirty="0" err="1">
-                <a:latin typeface="Consolas" pitchFamily="49" charset="0"/>
-                <a:cs typeface="Consolas" pitchFamily="49" charset="0"/>
-              </a:rPr>
-              <a:t>ListOfX</a:t>
-            </a:r>
-            <a:r>
-              <a:rPr lang="en-US" sz="2600" b="1" dirty="0">
-                <a:latin typeface="Consolas" pitchFamily="49" charset="0"/>
-                <a:cs typeface="Consolas" pitchFamily="49" charset="0"/>
-              </a:rPr>
-              <a:t> ... -&gt; </a:t>
-            </a:r>
-            <a:r>
-              <a:rPr lang="en-US" sz="2600" b="1" dirty="0" err="1">
-                <a:latin typeface="Consolas" pitchFamily="49" charset="0"/>
-                <a:cs typeface="Consolas" pitchFamily="49" charset="0"/>
-              </a:rPr>
-              <a:t>ListOfX</a:t>
-            </a:r>
-            <a:endParaRPr lang="en-US" sz="2600" b="1" dirty="0">
-              <a:latin typeface="Consolas" pitchFamily="49" charset="0"/>
-              <a:cs typeface="Consolas" pitchFamily="49" charset="0"/>
-            </a:endParaRPr>
+              <a:t>;; f : XList ... -&gt; XList</a:t>
+            </a:r>
           </a:p>
           <a:p>
             <a:pPr>
@@ -9262,21 +9176,7 @@
                 <a:latin typeface="Consolas" pitchFamily="49" charset="0"/>
                 <a:cs typeface="Consolas" pitchFamily="49" charset="0"/>
               </a:rPr>
-              <a:t>;; list-fn : </a:t>
-            </a:r>
-            <a:r>
-              <a:rPr lang="en-US" sz="2800" b="1" dirty="0" err="1">
-                <a:latin typeface="Consolas" pitchFamily="49" charset="0"/>
-                <a:cs typeface="Consolas" pitchFamily="49" charset="0"/>
-              </a:rPr>
-              <a:t>ListOfX</a:t>
-            </a:r>
-            <a:r>
-              <a:rPr lang="en-US" sz="2800" b="1" dirty="0">
-                <a:latin typeface="Consolas" pitchFamily="49" charset="0"/>
-                <a:cs typeface="Consolas" pitchFamily="49" charset="0"/>
-              </a:rPr>
-              <a:t> -&gt; ??</a:t>
+              <a:t>;; list-fn : XList -&gt; ??</a:t>
             </a:r>
           </a:p>
           <a:p>
@@ -10080,28 +9980,14 @@
                 <a:latin typeface="Consolas" pitchFamily="49" charset="0"/>
                 <a:cs typeface="Consolas" pitchFamily="49" charset="0"/>
               </a:rPr>
-              <a:t>;; list-fn : </a:t>
+              <a:t>;; list-fn : XList -&gt; </a:t>
             </a:r>
             <a:r>
               <a:rPr lang="en-US" sz="2800" b="1" dirty="0" err="1">
                 <a:latin typeface="Consolas" pitchFamily="49" charset="0"/>
                 <a:cs typeface="Consolas" pitchFamily="49" charset="0"/>
               </a:rPr>
-              <a:t>ListOfX</a:t>
-            </a:r>
-            <a:r>
-              <a:rPr lang="en-US" sz="2800" b="1" dirty="0">
-                <a:latin typeface="Consolas" pitchFamily="49" charset="0"/>
-                <a:cs typeface="Consolas" pitchFamily="49" charset="0"/>
-              </a:rPr>
-              <a:t> -&gt; </a:t>
-            </a:r>
-            <a:r>
-              <a:rPr lang="en-US" sz="2800" b="1" dirty="0" err="1">
-                <a:latin typeface="Consolas" pitchFamily="49" charset="0"/>
-                <a:cs typeface="Consolas" pitchFamily="49" charset="0"/>
-              </a:rPr>
-              <a:t>ListOfY</a:t>
+              <a:t>YList</a:t>
             </a:r>
             <a:endParaRPr lang="en-US" sz="2800" b="1" dirty="0">
               <a:latin typeface="Consolas" pitchFamily="49" charset="0"/>
@@ -10260,18 +10146,13 @@
             <a:avLst/>
           </a:prstGeom>
           <a:solidFill>
-            <a:schemeClr val="accent3">
-              <a:lumMod val="40000"/>
-              <a:lumOff val="60000"/>
+            <a:schemeClr val="accent1">
+              <a:lumMod val="20000"/>
+              <a:lumOff val="80000"/>
             </a:schemeClr>
           </a:solidFill>
           <a:ln w="12700">
-            <a:solidFill>
-              <a:schemeClr val="tx2">
-                <a:lumMod val="60000"/>
-                <a:lumOff val="40000"/>
-              </a:schemeClr>
-            </a:solidFill>
+            <a:noFill/>
           </a:ln>
         </p:spPr>
         <p:txBody>
@@ -10398,28 +10279,14 @@
                 <a:latin typeface="Consolas" pitchFamily="49" charset="0"/>
                 <a:cs typeface="Consolas" pitchFamily="49" charset="0"/>
               </a:rPr>
-              <a:t>;; list-fn : </a:t>
+              <a:t>;; list-fn : XList -&gt; </a:t>
             </a:r>
             <a:r>
               <a:rPr lang="en-US" sz="2800" b="1" dirty="0" err="1">
                 <a:latin typeface="Consolas" pitchFamily="49" charset="0"/>
                 <a:cs typeface="Consolas" pitchFamily="49" charset="0"/>
               </a:rPr>
-              <a:t>ListOfX</a:t>
-            </a:r>
-            <a:r>
-              <a:rPr lang="en-US" sz="2800" b="1" dirty="0">
-                <a:latin typeface="Consolas" pitchFamily="49" charset="0"/>
-                <a:cs typeface="Consolas" pitchFamily="49" charset="0"/>
-              </a:rPr>
-              <a:t> -&gt; </a:t>
-            </a:r>
-            <a:r>
-              <a:rPr lang="en-US" sz="2800" b="1" dirty="0" err="1">
-                <a:latin typeface="Consolas" pitchFamily="49" charset="0"/>
-                <a:cs typeface="Consolas" pitchFamily="49" charset="0"/>
-              </a:rPr>
-              <a:t>ListOfY</a:t>
+              <a:t>YList</a:t>
             </a:r>
             <a:endParaRPr lang="en-US" sz="2800" b="1" dirty="0">
               <a:latin typeface="Consolas" pitchFamily="49" charset="0"/>
@@ -10993,25 +10860,20 @@
         </p:nvSpPr>
         <p:spPr>
           <a:xfrm>
-            <a:off x="5230318" y="4648200"/>
-            <a:ext cx="3886200" cy="1938992"/>
+            <a:off x="5257800" y="3932933"/>
+            <a:ext cx="3886200" cy="2308324"/>
           </a:xfrm>
           <a:prstGeom prst="rect">
             <a:avLst/>
           </a:prstGeom>
           <a:solidFill>
-            <a:schemeClr val="accent3">
-              <a:lumMod val="40000"/>
-              <a:lumOff val="60000"/>
+            <a:schemeClr val="accent1">
+              <a:lumMod val="20000"/>
+              <a:lumOff val="80000"/>
             </a:schemeClr>
           </a:solidFill>
           <a:ln w="12700">
-            <a:solidFill>
-              <a:schemeClr val="tx2">
-                <a:lumMod val="60000"/>
-                <a:lumOff val="40000"/>
-              </a:schemeClr>
-            </a:solidFill>
+            <a:noFill/>
           </a:ln>
         </p:spPr>
         <p:txBody>
@@ -11022,7 +10884,7 @@
           <a:p>
             <a:r>
               <a:rPr lang="en-US" sz="2400" dirty="0"/>
-              <a:t>Here's an original function, and  what we get after we've converted it to use map.  Here I've used lambda, but that isn't necessary.</a:t>
+              <a:t>Here's an original function, and  what we get after we've converted it to use map.  Here I've used lambda, but I could have used a local instead.</a:t>
             </a:r>
           </a:p>
         </p:txBody>
@@ -11042,18 +10904,13 @@
             <a:avLst/>
           </a:prstGeom>
           <a:solidFill>
-            <a:schemeClr val="accent3">
-              <a:lumMod val="40000"/>
-              <a:lumOff val="60000"/>
+            <a:schemeClr val="accent1">
+              <a:lumMod val="20000"/>
+              <a:lumOff val="80000"/>
             </a:schemeClr>
           </a:solidFill>
           <a:ln w="12700">
-            <a:solidFill>
-              <a:schemeClr val="tx2">
-                <a:lumMod val="60000"/>
-                <a:lumOff val="40000"/>
-              </a:schemeClr>
-            </a:solidFill>
+            <a:noFill/>
           </a:ln>
         </p:spPr>
         <p:txBody>
@@ -11166,33 +11023,8 @@
                 <a:latin typeface="Consolas" pitchFamily="49" charset="0"/>
                 <a:cs typeface="Consolas" pitchFamily="49" charset="0"/>
               </a:rPr>
-              <a:t>;; list-fn : </a:t>
-            </a:r>
-            <a:r>
-              <a:rPr lang="en-US" sz="2800" b="1" dirty="0" err="1">
-                <a:latin typeface="Consolas" pitchFamily="49" charset="0"/>
-                <a:cs typeface="Consolas" pitchFamily="49" charset="0"/>
-              </a:rPr>
-              <a:t>ListOfX</a:t>
-            </a:r>
-            <a:r>
-              <a:rPr lang="en-US" sz="2800" b="1" dirty="0">
-                <a:latin typeface="Consolas" pitchFamily="49" charset="0"/>
-                <a:cs typeface="Consolas" pitchFamily="49" charset="0"/>
-              </a:rPr>
-              <a:t> -&gt; </a:t>
-            </a:r>
-            <a:r>
-              <a:rPr lang="en-US" sz="2800" b="1" dirty="0" err="1">
-                <a:latin typeface="Consolas" pitchFamily="49" charset="0"/>
-                <a:cs typeface="Consolas" pitchFamily="49" charset="0"/>
-              </a:rPr>
-              <a:t>ListOfX</a:t>
-            </a:r>
-            <a:endParaRPr lang="en-US" sz="2800" b="1" dirty="0">
-              <a:latin typeface="Consolas" pitchFamily="49" charset="0"/>
-              <a:cs typeface="Consolas" pitchFamily="49" charset="0"/>
-            </a:endParaRPr>
+              <a:t>;; list-fn : XList -&gt; XList</a:t>
+            </a:r>
           </a:p>
           <a:p>
             <a:pPr>
@@ -11354,25 +11186,20 @@
         </p:nvSpPr>
         <p:spPr>
           <a:xfrm>
-            <a:off x="3962400" y="5181600"/>
+            <a:off x="3124200" y="4724400"/>
             <a:ext cx="4876800" cy="830997"/>
           </a:xfrm>
           <a:prstGeom prst="rect">
             <a:avLst/>
           </a:prstGeom>
           <a:solidFill>
-            <a:schemeClr val="accent3">
-              <a:lumMod val="40000"/>
-              <a:lumOff val="60000"/>
+            <a:schemeClr val="accent1">
+              <a:lumMod val="20000"/>
+              <a:lumOff val="80000"/>
             </a:schemeClr>
           </a:solidFill>
           <a:ln w="12700">
-            <a:solidFill>
-              <a:schemeClr val="tx2">
-                <a:lumMod val="60000"/>
-                <a:lumOff val="40000"/>
-              </a:schemeClr>
-            </a:solidFill>
+            <a:noFill/>
           </a:ln>
         </p:spPr>
         <p:txBody>
@@ -11475,21 +11302,8 @@
             </a:r>
             <a:r>
               <a:rPr lang="en-US" sz="2800" dirty="0"/>
-              <a:t> : </a:t>
-            </a:r>
-            <a:r>
-              <a:rPr lang="en-US" sz="2800" dirty="0" err="1"/>
-              <a:t>ListOfX</a:t>
-            </a:r>
-            <a:r>
-              <a:rPr lang="en-US" sz="2800" dirty="0"/>
-              <a:t> -&gt; </a:t>
-            </a:r>
-            <a:r>
-              <a:rPr lang="en-US" sz="2800" dirty="0" err="1"/>
-              <a:t>ListOfX</a:t>
-            </a:r>
-            <a:endParaRPr lang="en-US" sz="2800" dirty="0"/>
+              <a:t> : XList -&gt; XList</a:t>
+            </a:r>
           </a:p>
           <a:p>
             <a:r>
@@ -11674,21 +11488,7 @@
                 <a:latin typeface="Consolas" pitchFamily="49" charset="0"/>
                 <a:cs typeface="Consolas" pitchFamily="49" charset="0"/>
               </a:rPr>
-              <a:t>;; list-fn : </a:t>
-            </a:r>
-            <a:r>
-              <a:rPr lang="en-US" sz="2800" b="1" dirty="0" err="1">
-                <a:latin typeface="Consolas" pitchFamily="49" charset="0"/>
-                <a:cs typeface="Consolas" pitchFamily="49" charset="0"/>
-              </a:rPr>
-              <a:t>ListOfX</a:t>
-            </a:r>
-            <a:r>
-              <a:rPr lang="en-US" sz="2800" b="1" dirty="0">
-                <a:latin typeface="Consolas" pitchFamily="49" charset="0"/>
-                <a:cs typeface="Consolas" pitchFamily="49" charset="0"/>
-              </a:rPr>
-              <a:t> -&gt; Boolean</a:t>
+              <a:t>;; list-fn : XList -&gt; Boolean</a:t>
             </a:r>
           </a:p>
           <a:p>
@@ -11871,18 +11671,13 @@
             <a:avLst/>
           </a:prstGeom>
           <a:solidFill>
-            <a:schemeClr val="accent3">
-              <a:lumMod val="40000"/>
-              <a:lumOff val="60000"/>
+            <a:schemeClr val="accent1">
+              <a:lumMod val="20000"/>
+              <a:lumOff val="80000"/>
             </a:schemeClr>
           </a:solidFill>
           <a:ln w="12700">
-            <a:solidFill>
-              <a:schemeClr val="tx2">
-                <a:lumMod val="60000"/>
-                <a:lumOff val="40000"/>
-              </a:schemeClr>
-            </a:solidFill>
+            <a:noFill/>
           </a:ln>
         </p:spPr>
         <p:txBody>
@@ -12058,21 +11853,7 @@
                 <a:latin typeface="Consolas" pitchFamily="49" charset="0"/>
                 <a:cs typeface="Consolas" pitchFamily="49" charset="0"/>
               </a:rPr>
-              <a:t>;; list-fn : </a:t>
-            </a:r>
-            <a:r>
-              <a:rPr lang="en-US" sz="2800" b="1" dirty="0" err="1">
-                <a:latin typeface="Consolas" pitchFamily="49" charset="0"/>
-                <a:cs typeface="Consolas" pitchFamily="49" charset="0"/>
-              </a:rPr>
-              <a:t>ListOfX</a:t>
-            </a:r>
-            <a:r>
-              <a:rPr lang="en-US" sz="2800" b="1" dirty="0">
-                <a:latin typeface="Consolas" pitchFamily="49" charset="0"/>
-                <a:cs typeface="Consolas" pitchFamily="49" charset="0"/>
-              </a:rPr>
-              <a:t> -&gt; Boolean</a:t>
+              <a:t>;; list-fn : XList -&gt; Boolean</a:t>
             </a:r>
           </a:p>
           <a:p>
@@ -12344,21 +12125,7 @@
                 <a:latin typeface="Consolas" pitchFamily="49" charset="0"/>
                 <a:cs typeface="Consolas" pitchFamily="49" charset="0"/>
               </a:rPr>
-              <a:t>;; list-fn : </a:t>
-            </a:r>
-            <a:r>
-              <a:rPr lang="en-US" sz="2800" b="1" dirty="0" err="1">
-                <a:latin typeface="Consolas" pitchFamily="49" charset="0"/>
-                <a:cs typeface="Consolas" pitchFamily="49" charset="0"/>
-              </a:rPr>
-              <a:t>ListOfX</a:t>
-            </a:r>
-            <a:r>
-              <a:rPr lang="en-US" sz="2800" b="1" dirty="0">
-                <a:latin typeface="Consolas" pitchFamily="49" charset="0"/>
-                <a:cs typeface="Consolas" pitchFamily="49" charset="0"/>
-              </a:rPr>
-              <a:t> -&gt; Y</a:t>
+              <a:t>;; list-fn : XList -&gt; Y</a:t>
             </a:r>
           </a:p>
           <a:p>
@@ -12534,25 +12301,20 @@
         </p:nvSpPr>
         <p:spPr>
           <a:xfrm>
-            <a:off x="2743200" y="5438931"/>
+            <a:off x="1967106" y="4876800"/>
             <a:ext cx="5652894" cy="461665"/>
           </a:xfrm>
           <a:prstGeom prst="rect">
             <a:avLst/>
           </a:prstGeom>
           <a:solidFill>
-            <a:schemeClr val="accent3">
-              <a:lumMod val="40000"/>
-              <a:lumOff val="60000"/>
+            <a:schemeClr val="accent1">
+              <a:lumMod val="20000"/>
+              <a:lumOff val="80000"/>
             </a:schemeClr>
           </a:solidFill>
           <a:ln w="12700">
-            <a:solidFill>
-              <a:schemeClr val="tx2">
-                <a:lumMod val="60000"/>
-                <a:lumOff val="40000"/>
-              </a:schemeClr>
-            </a:solidFill>
+            <a:noFill/>
           </a:ln>
         </p:spPr>
         <p:txBody>
@@ -14154,12 +13916,12 @@
               <a:t>any more; we write </a:t>
             </a:r>
             <a:r>
-              <a:rPr lang="en-US" b="1" dirty="0" err="1">
+              <a:rPr lang="en-US" b="1" dirty="0">
                 <a:solidFill>
                   <a:schemeClr val="tx1"/>
                 </a:solidFill>
               </a:rPr>
-              <a:t>ListOfX</a:t>
+              <a:t>XList</a:t>
             </a:r>
             <a:r>
               <a:rPr lang="en-US" dirty="0">
@@ -14591,31 +14353,25 @@
           <a:p>
             <a:r>
               <a:rPr lang="en-US" dirty="0"/>
-              <a:t>Study 05-4-sets.rkt in the Examples folder.</a:t>
+              <a:t>Study 06-5-1-sets.rkt in the Examples folder.</a:t>
             </a:r>
           </a:p>
           <a:p>
             <a:r>
               <a:rPr lang="en-US" dirty="0"/>
-              <a:t>If you have questions about this lesson, ask them on the </a:t>
+              <a:t>If you have questions about this lesson, ask them on the Discussion Board.</a:t>
+            </a:r>
+          </a:p>
+          <a:p>
+            <a:r>
+              <a:rPr lang="en-US" dirty="0"/>
+              <a:t>Do Guided </a:t>
             </a:r>
             <a:r>
               <a:rPr lang="en-US"/>
-              <a:t>Discussion Board.</a:t>
+              <a:t>Practice 6.5</a:t>
             </a:r>
             <a:endParaRPr lang="en-US" dirty="0"/>
-          </a:p>
-          <a:p>
-            <a:r>
-              <a:rPr lang="en-US" dirty="0"/>
-              <a:t>Do Guided Practice 5.5</a:t>
-            </a:r>
-          </a:p>
-          <a:p>
-            <a:r>
-              <a:rPr lang="en-US" dirty="0"/>
-              <a:t>Do Problem Set 5.</a:t>
-            </a:r>
           </a:p>
         </p:txBody>
       </p:sp>
@@ -14717,8 +14473,8 @@
               <a:t>There are many ways to generalize functions built using the </a:t>
             </a:r>
             <a:r>
-              <a:rPr lang="en-US" b="1" dirty="0" err="1"/>
-              <a:t>ListOfX</a:t>
+              <a:rPr lang="en-US" b="1" dirty="0"/>
+              <a:t>XList</a:t>
             </a:r>
             <a:r>
               <a:rPr lang="en-US" dirty="0"/>
@@ -14850,28 +14606,14 @@
                 <a:latin typeface="Consolas" pitchFamily="49" charset="0"/>
                 <a:cs typeface="Consolas" pitchFamily="49" charset="0"/>
               </a:rPr>
-              <a:t>;; map : (X -&gt; Y) </a:t>
+              <a:t>;; map : (X -&gt; Y) XList -&gt; </a:t>
             </a:r>
             <a:r>
               <a:rPr lang="en-US" sz="2000" b="1" dirty="0" err="1">
                 <a:latin typeface="Consolas" pitchFamily="49" charset="0"/>
                 <a:cs typeface="Consolas" pitchFamily="49" charset="0"/>
               </a:rPr>
-              <a:t>ListOfX</a:t>
-            </a:r>
-            <a:r>
-              <a:rPr lang="en-US" sz="2000" b="1" dirty="0">
-                <a:latin typeface="Consolas" pitchFamily="49" charset="0"/>
-                <a:cs typeface="Consolas" pitchFamily="49" charset="0"/>
-              </a:rPr>
-              <a:t> -&gt; </a:t>
-            </a:r>
-            <a:r>
-              <a:rPr lang="en-US" sz="2000" b="1" dirty="0" err="1">
-                <a:latin typeface="Consolas" pitchFamily="49" charset="0"/>
-                <a:cs typeface="Consolas" pitchFamily="49" charset="0"/>
-              </a:rPr>
-              <a:t>ListOfY</a:t>
+              <a:t>YList</a:t>
             </a:r>
             <a:endParaRPr lang="en-US" sz="2000" b="1" dirty="0">
               <a:latin typeface="Consolas" pitchFamily="49" charset="0"/>
@@ -14884,7 +14626,7 @@
                 <a:latin typeface="Consolas" pitchFamily="49" charset="0"/>
                 <a:cs typeface="Consolas" pitchFamily="49" charset="0"/>
               </a:rPr>
-              <a:t>;; construct a list by applying f to each item of the given ;; list. </a:t>
+              <a:t>;; RETURNS: a list by applying f to each item of the given ;; list. </a:t>
             </a:r>
           </a:p>
           <a:p>
@@ -14982,30 +14724,16 @@
                 <a:latin typeface="Consolas" pitchFamily="49" charset="0"/>
                 <a:cs typeface="Consolas" pitchFamily="49" charset="0"/>
               </a:rPr>
-              <a:t> : (X Y -&gt; Y) Y </a:t>
-            </a:r>
-            <a:r>
-              <a:rPr lang="en-US" sz="2000" b="1" dirty="0" err="1">
-                <a:latin typeface="Consolas" pitchFamily="49" charset="0"/>
-                <a:cs typeface="Consolas" pitchFamily="49" charset="0"/>
-              </a:rPr>
-              <a:t>ListOfX</a:t>
-            </a:r>
+              <a:t> : (X Y -&gt; Y) Y XList -&gt; Y</a:t>
+            </a:r>
+          </a:p>
+          <a:p>
             <a:r>
               <a:rPr lang="en-US" sz="2000" b="1" dirty="0">
                 <a:latin typeface="Consolas" pitchFamily="49" charset="0"/>
                 <a:cs typeface="Consolas" pitchFamily="49" charset="0"/>
               </a:rPr>
-              <a:t> -&gt; Y</a:t>
-            </a:r>
-          </a:p>
-          <a:p>
-            <a:r>
-              <a:rPr lang="en-US" sz="2000" b="1" dirty="0">
-                <a:latin typeface="Consolas" pitchFamily="49" charset="0"/>
-                <a:cs typeface="Consolas" pitchFamily="49" charset="0"/>
-              </a:rPr>
-              <a:t>;; apply f on the elements of the given list from right to ;; left, starting with base. </a:t>
+              <a:t>;; applies f on the elements of the given list from right to ;; left, starting with base. </a:t>
             </a:r>
           </a:p>
           <a:p>
@@ -15133,7 +14861,7 @@
             </a:br>
             <a:r>
               <a:rPr lang="en-US" dirty="0"/>
-              <a:t>(Chapter 18)</a:t>
+              <a:t>(Chapter 16)</a:t>
             </a:r>
           </a:p>
         </p:txBody>
@@ -15177,18 +14905,13 @@
             <a:avLst/>
           </a:prstGeom>
           <a:solidFill>
-            <a:schemeClr val="accent3">
-              <a:lumMod val="40000"/>
-              <a:lumOff val="60000"/>
+            <a:schemeClr val="accent1">
+              <a:lumMod val="20000"/>
+              <a:lumOff val="80000"/>
             </a:schemeClr>
           </a:solidFill>
           <a:ln w="12700">
-            <a:solidFill>
-              <a:schemeClr val="tx2">
-                <a:lumMod val="60000"/>
-                <a:lumOff val="40000"/>
-              </a:schemeClr>
-            </a:solidFill>
+            <a:noFill/>
           </a:ln>
         </p:spPr>
         <p:txBody>
@@ -15199,7 +14922,7 @@
           <a:p>
             <a:r>
               <a:rPr lang="en-US" sz="2400" dirty="0"/>
-              <a:t>The book doesn't use the GIVEN/RETURNS form for purpose statements.  But you still need to do so for the functions you write!</a:t>
+              <a:t>The book doesn't use the GIVEN/RETURNS form for purpose statements.  But you still need to do so for the functions you write.</a:t>
             </a:r>
           </a:p>
         </p:txBody>
@@ -15289,15 +15012,28 @@
                 <a:latin typeface="Consolas" pitchFamily="49" charset="0"/>
                 <a:cs typeface="Consolas" pitchFamily="49" charset="0"/>
               </a:rPr>
-              <a:t> -&gt; X) -&gt; </a:t>
-            </a:r>
-            <a:r>
-              <a:rPr lang="en-US" sz="2000" b="1" dirty="0" err="1">
-                <a:latin typeface="Consolas" pitchFamily="49" charset="0"/>
-                <a:cs typeface="Consolas" pitchFamily="49" charset="0"/>
-              </a:rPr>
-              <a:t>ListOfX</a:t>
-            </a:r>
+              <a:t> -&gt; X) -&gt; XList</a:t>
+            </a:r>
+          </a:p>
+          <a:p>
+            <a:r>
+              <a:rPr lang="en-US" sz="2000" b="1" dirty="0">
+                <a:latin typeface="Consolas" pitchFamily="49" charset="0"/>
+                <a:cs typeface="Consolas" pitchFamily="49" charset="0"/>
+              </a:rPr>
+              <a:t>;; RETURNS: (list (f 0) ... (f (- n 1))) </a:t>
+            </a:r>
+          </a:p>
+          <a:p>
+            <a:r>
+              <a:rPr lang="en-US" sz="2000" b="1" dirty="0">
+                <a:latin typeface="Consolas" pitchFamily="49" charset="0"/>
+                <a:cs typeface="Consolas" pitchFamily="49" charset="0"/>
+              </a:rPr>
+              <a:t>(define (build-list n f) ...)</a:t>
+            </a:r>
+          </a:p>
+          <a:p>
             <a:endParaRPr lang="en-US" sz="2000" b="1" dirty="0">
               <a:latin typeface="Consolas" pitchFamily="49" charset="0"/>
               <a:cs typeface="Consolas" pitchFamily="49" charset="0"/>
@@ -15309,7 +15045,7 @@
                 <a:latin typeface="Consolas" pitchFamily="49" charset="0"/>
                 <a:cs typeface="Consolas" pitchFamily="49" charset="0"/>
               </a:rPr>
-              <a:t>;; construct (list (f 0) ... (f (- n 1))) </a:t>
+              <a:t>;; filter : (X -&gt; Boolean) XList -&gt; XList </a:t>
             </a:r>
           </a:p>
           <a:p>
@@ -15318,59 +15054,7 @@
                 <a:latin typeface="Consolas" pitchFamily="49" charset="0"/>
                 <a:cs typeface="Consolas" pitchFamily="49" charset="0"/>
               </a:rPr>
-              <a:t>(define (build-list n f) ...)</a:t>
-            </a:r>
-          </a:p>
-          <a:p>
-            <a:endParaRPr lang="en-US" sz="2000" b="1" dirty="0">
-              <a:latin typeface="Consolas" pitchFamily="49" charset="0"/>
-              <a:cs typeface="Consolas" pitchFamily="49" charset="0"/>
-            </a:endParaRPr>
-          </a:p>
-          <a:p>
-            <a:r>
-              <a:rPr lang="en-US" sz="2000" b="1" dirty="0">
-                <a:latin typeface="Consolas" pitchFamily="49" charset="0"/>
-                <a:cs typeface="Consolas" pitchFamily="49" charset="0"/>
-              </a:rPr>
-              <a:t>;; filter : (X -&gt; Boolean) </a:t>
-            </a:r>
-            <a:r>
-              <a:rPr lang="en-US" sz="2000" b="1" dirty="0" err="1">
-                <a:latin typeface="Consolas" pitchFamily="49" charset="0"/>
-                <a:cs typeface="Consolas" pitchFamily="49" charset="0"/>
-              </a:rPr>
-              <a:t>ListOfX</a:t>
-            </a:r>
-            <a:r>
-              <a:rPr lang="en-US" sz="2000" b="1" dirty="0">
-                <a:latin typeface="Consolas" pitchFamily="49" charset="0"/>
-                <a:cs typeface="Consolas" pitchFamily="49" charset="0"/>
-              </a:rPr>
-              <a:t> -&gt; </a:t>
-            </a:r>
-            <a:r>
-              <a:rPr lang="en-US" sz="2000" b="1" dirty="0" err="1">
-                <a:latin typeface="Consolas" pitchFamily="49" charset="0"/>
-                <a:cs typeface="Consolas" pitchFamily="49" charset="0"/>
-              </a:rPr>
-              <a:t>ListOfX</a:t>
-            </a:r>
-            <a:r>
-              <a:rPr lang="en-US" sz="2000" b="1" dirty="0">
-                <a:latin typeface="Consolas" pitchFamily="49" charset="0"/>
-                <a:cs typeface="Consolas" pitchFamily="49" charset="0"/>
-              </a:rPr>
-              <a:t> </a:t>
-            </a:r>
-          </a:p>
-          <a:p>
-            <a:r>
-              <a:rPr lang="en-US" sz="2000" b="1" dirty="0">
-                <a:latin typeface="Consolas" pitchFamily="49" charset="0"/>
-                <a:cs typeface="Consolas" pitchFamily="49" charset="0"/>
-              </a:rPr>
-              <a:t>;; construct the list from all items on </a:t>
+              <a:t>;; RETURNS: the list from all items on </a:t>
             </a:r>
             <a:r>
               <a:rPr lang="en-US" sz="2000" b="1" dirty="0" err="1">
@@ -15567,30 +15251,16 @@
                 <a:latin typeface="Consolas" pitchFamily="49" charset="0"/>
                 <a:cs typeface="Consolas" pitchFamily="49" charset="0"/>
               </a:rPr>
-              <a:t> : (X -&gt; Boolean) </a:t>
-            </a:r>
-            <a:r>
-              <a:rPr lang="en-US" b="1" dirty="0" err="1">
-                <a:latin typeface="Consolas" pitchFamily="49" charset="0"/>
-                <a:cs typeface="Consolas" pitchFamily="49" charset="0"/>
-              </a:rPr>
-              <a:t>ListOfX</a:t>
-            </a:r>
+              <a:t> : (X -&gt; Boolean) XList -&gt; Boolean </a:t>
+            </a:r>
+          </a:p>
+          <a:p>
             <a:r>
               <a:rPr lang="en-US" b="1" dirty="0">
                 <a:latin typeface="Consolas" pitchFamily="49" charset="0"/>
                 <a:cs typeface="Consolas" pitchFamily="49" charset="0"/>
               </a:rPr>
-              <a:t> -&gt; Boolean </a:t>
-            </a:r>
-          </a:p>
-          <a:p>
-            <a:r>
-              <a:rPr lang="en-US" b="1" dirty="0">
-                <a:latin typeface="Consolas" pitchFamily="49" charset="0"/>
-                <a:cs typeface="Consolas" pitchFamily="49" charset="0"/>
-              </a:rPr>
-              <a:t>;; determine whether p holds for every item on </a:t>
+              <a:t>;; determines whether p holds for every item on </a:t>
             </a:r>
             <a:r>
               <a:rPr lang="en-US" b="1" dirty="0" err="1">
@@ -15730,30 +15400,16 @@
                 <a:latin typeface="Consolas" pitchFamily="49" charset="0"/>
                 <a:cs typeface="Consolas" pitchFamily="49" charset="0"/>
               </a:rPr>
-              <a:t> : (X -&gt; Boolean) </a:t>
-            </a:r>
-            <a:r>
-              <a:rPr lang="en-US" b="1" dirty="0" err="1">
-                <a:latin typeface="Consolas" pitchFamily="49" charset="0"/>
-                <a:cs typeface="Consolas" pitchFamily="49" charset="0"/>
-              </a:rPr>
-              <a:t>ListOfX</a:t>
-            </a:r>
+              <a:t> : (X -&gt; Boolean) XList -&gt; Boolean </a:t>
+            </a:r>
+          </a:p>
+          <a:p>
             <a:r>
               <a:rPr lang="en-US" b="1" dirty="0">
                 <a:latin typeface="Consolas" pitchFamily="49" charset="0"/>
                 <a:cs typeface="Consolas" pitchFamily="49" charset="0"/>
               </a:rPr>
-              <a:t> -&gt; Boolean </a:t>
-            </a:r>
-          </a:p>
-          <a:p>
-            <a:r>
-              <a:rPr lang="en-US" b="1" dirty="0">
-                <a:latin typeface="Consolas" pitchFamily="49" charset="0"/>
-                <a:cs typeface="Consolas" pitchFamily="49" charset="0"/>
-              </a:rPr>
-              <a:t>;; determine whether p holds for at least one item on </a:t>
+              <a:t>;; determines whether p holds for at least one item on </a:t>
             </a:r>
             <a:r>
               <a:rPr lang="en-US" b="1" dirty="0" err="1">

--- a/Slides/Lesson 6.5 Rewriting Your Function Using Map and Foldr.pptx
+++ b/Slides/Lesson 6.5 Rewriting Your Function Using Map and Foldr.pptx
@@ -168,6 +168,10 @@
 </p:cmAuthorLst>
 </file>
 
+<file path=ppt/revisionInfo.xml><?xml version="1.0" encoding="utf-8"?>
+<p1510:revInfo xmlns:a="http://schemas.openxmlformats.org/drawingml/2006/main" xmlns:r="http://schemas.openxmlformats.org/officeDocument/2006/relationships" xmlns:p1510="http://schemas.microsoft.com/office/powerpoint/2015/10/main"/>
+</file>
+
 <file path=ppt/notesMasters/notesMaster1.xml><?xml version="1.0" encoding="utf-8"?>
 <p:notesMaster xmlns:a="http://schemas.openxmlformats.org/drawingml/2006/main" xmlns:r="http://schemas.openxmlformats.org/officeDocument/2006/relationships" xmlns:p="http://schemas.openxmlformats.org/presentationml/2006/main">
   <p:cSld>
@@ -251,7 +255,7 @@
             <a:fld id="{CF8F25F6-E1EF-4065-8525-42EDEBD9BD22}" type="datetimeFigureOut">
               <a:rPr lang="en-US" smtClean="0"/>
               <a:pPr/>
-              <a:t>9/16/2017</a:t>
+              <a:t>10/18/2017</a:t>
             </a:fld>
             <a:endParaRPr lang="en-US"/>
           </a:p>
@@ -1855,7 +1859,7 @@
           <a:p>
             <a:fld id="{2F1F79F5-7BEC-496A-AFC7-876E38F64D71}" type="datetime1">
               <a:rPr lang="en-US" smtClean="0"/>
-              <a:t>9/16/2017</a:t>
+              <a:t>10/18/2017</a:t>
             </a:fld>
             <a:endParaRPr lang="en-US"/>
           </a:p>
@@ -1950,7 +1954,7 @@
           <a:p>
             <a:fld id="{0A05703A-7669-4FEA-9056-25299B4D29D4}" type="datetime1">
               <a:rPr lang="en-US" smtClean="0"/>
-              <a:t>9/16/2017</a:t>
+              <a:t>10/18/2017</a:t>
             </a:fld>
             <a:endParaRPr lang="en-US"/>
           </a:p>
@@ -2225,7 +2229,7 @@
           <a:p>
             <a:fld id="{6E5077B5-BB57-49DB-88CA-226A139E5C01}" type="datetime1">
               <a:rPr lang="en-US" smtClean="0"/>
-              <a:t>9/16/2017</a:t>
+              <a:t>10/18/2017</a:t>
             </a:fld>
             <a:endParaRPr lang="en-US"/>
           </a:p>
@@ -2477,7 +2481,7 @@
           <a:p>
             <a:fld id="{C48D9447-CBD6-49A1-89FD-8512A8CF8999}" type="datetime1">
               <a:rPr lang="en-US" smtClean="0"/>
-              <a:t>9/16/2017</a:t>
+              <a:t>10/18/2017</a:t>
             </a:fld>
             <a:endParaRPr lang="en-US"/>
           </a:p>
@@ -2645,7 +2649,7 @@
           <a:p>
             <a:fld id="{A3639A2A-823D-48B7-9ACE-7FAF42870BA9}" type="datetime1">
               <a:rPr lang="en-US" smtClean="0"/>
-              <a:t>9/16/2017</a:t>
+              <a:t>10/18/2017</a:t>
             </a:fld>
             <a:endParaRPr lang="en-US"/>
           </a:p>
@@ -2823,7 +2827,7 @@
           <a:p>
             <a:fld id="{ED1B6996-82E9-463C-972C-7B56056E426C}" type="datetime1">
               <a:rPr lang="en-US" smtClean="0"/>
-              <a:t>9/16/2017</a:t>
+              <a:t>10/18/2017</a:t>
             </a:fld>
             <a:endParaRPr lang="en-US"/>
           </a:p>
@@ -2997,7 +3001,7 @@
           <a:p>
             <a:fld id="{E22ED4DA-448D-4BB1-B935-CC112220207B}" type="datetime1">
               <a:rPr lang="en-US" smtClean="0"/>
-              <a:t>9/16/2017</a:t>
+              <a:t>10/18/2017</a:t>
             </a:fld>
             <a:endParaRPr lang="en-US"/>
           </a:p>
@@ -3170,7 +3174,7 @@
           <a:p>
             <a:fld id="{E22ED4DA-448D-4BB1-B935-CC112220207B}" type="datetime1">
               <a:rPr lang="en-US" smtClean="0"/>
-              <a:t>9/16/2017</a:t>
+              <a:t>10/18/2017</a:t>
             </a:fld>
             <a:endParaRPr lang="en-US"/>
           </a:p>
@@ -3430,7 +3434,7 @@
           <a:p>
             <a:fld id="{FF5D65A6-AB94-4435-B0B7-3743215FA46C}" type="datetime1">
               <a:rPr lang="en-US" smtClean="0"/>
-              <a:t>9/16/2017</a:t>
+              <a:t>10/18/2017</a:t>
             </a:fld>
             <a:endParaRPr lang="en-US"/>
           </a:p>
@@ -3606,7 +3610,7 @@
           <a:p>
             <a:fld id="{FF5D65A6-AB94-4435-B0B7-3743215FA46C}" type="datetime1">
               <a:rPr lang="en-US" smtClean="0"/>
-              <a:t>9/16/2017</a:t>
+              <a:t>10/18/2017</a:t>
             </a:fld>
             <a:endParaRPr lang="en-US"/>
           </a:p>
@@ -3900,7 +3904,7 @@
           <a:p>
             <a:fld id="{7C193DC4-6EF0-48C9-B29C-616106A645E1}" type="datetime1">
               <a:rPr lang="en-US" smtClean="0"/>
-              <a:t>9/16/2017</a:t>
+              <a:t>10/18/2017</a:t>
             </a:fld>
             <a:endParaRPr lang="en-US"/>
           </a:p>
@@ -4185,7 +4189,7 @@
           <a:p>
             <a:fld id="{5D1846AD-9252-4647-9435-4C2AC365653A}" type="datetime1">
               <a:rPr lang="en-US" smtClean="0"/>
-              <a:t>9/16/2017</a:t>
+              <a:t>10/18/2017</a:t>
             </a:fld>
             <a:endParaRPr lang="en-US"/>
           </a:p>
@@ -4604,7 +4608,7 @@
           <a:p>
             <a:fld id="{CE56DC10-3561-4063-A6AF-C1CC7A41040A}" type="datetime1">
               <a:rPr lang="en-US" smtClean="0"/>
-              <a:t>9/16/2017</a:t>
+              <a:t>10/18/2017</a:t>
             </a:fld>
             <a:endParaRPr lang="en-US"/>
           </a:p>
@@ -4721,7 +4725,7 @@
           <a:p>
             <a:fld id="{2F7B77F5-1464-4F6B-92A8-64FC8A508293}" type="datetime1">
               <a:rPr lang="en-US" smtClean="0"/>
-              <a:t>9/16/2017</a:t>
+              <a:t>10/18/2017</a:t>
             </a:fld>
             <a:endParaRPr lang="en-US"/>
           </a:p>
@@ -4944,7 +4948,7 @@
           <a:p>
             <a:fld id="{02B3F677-983B-48DB-ADFD-63FE6CBC7FB2}" type="datetime1">
               <a:rPr lang="en-US" smtClean="0"/>
-              <a:t>9/16/2017</a:t>
+              <a:t>10/18/2017</a:t>
             </a:fld>
             <a:endParaRPr lang="en-US"/>
           </a:p>
@@ -9342,7 +9346,7 @@
             <a:p>
               <a:r>
                 <a:rPr lang="en-US" dirty="0"/>
-                <a:t>Choose your abstraction from the ones in Chapter 18.</a:t>
+                <a:t>Choose your abstraction from the ones in Chapter 16.</a:t>
               </a:r>
             </a:p>
           </p:txBody>
@@ -13453,7 +13457,7 @@
           <p:nvPr>
             <p:extLst>
               <p:ext uri="{D42A27DB-BD31-4B8C-83A1-F6EECF244321}">
-                <p14:modId xmlns:p14="http://schemas.microsoft.com/office/powerpoint/2010/main" val="2386220955"/>
+                <p14:modId xmlns:p14="http://schemas.microsoft.com/office/powerpoint/2010/main" val="2486094230"/>
               </p:ext>
             </p:extLst>
           </p:nvPr>
@@ -13560,7 +13564,15 @@
                       </a:r>
                       <a:r>
                         <a:rPr lang="en-US" sz="2400" baseline="0" dirty="0"/>
-                        <a:t>hoose a function from Chapter 18 whose contract matches yours.  What choices for X, Y, etc. match your contract?</a:t>
+                        <a:t>hoose a function from </a:t>
+                      </a:r>
+                      <a:r>
+                        <a:rPr lang="en-US" sz="2400" baseline="0"/>
+                        <a:t>Chapter 16 </a:t>
+                      </a:r>
+                      <a:r>
+                        <a:rPr lang="en-US" sz="2400" baseline="0" dirty="0"/>
+                        <a:t>whose contract matches yours.  What choices for X, Y, etc. match your contract?</a:t>
                       </a:r>
                       <a:endParaRPr lang="en-US" sz="2400" dirty="0"/>
                     </a:p>
@@ -14506,7 +14518,7 @@
           <a:p>
             <a:r>
               <a:rPr lang="en-US" dirty="0"/>
-              <a:t>Chapter 18 of </a:t>
+              <a:t>Chapter 16 of </a:t>
             </a:r>
             <a:r>
               <a:rPr lang="en-US" dirty="0" err="1"/>
@@ -14861,7 +14873,15 @@
             </a:br>
             <a:r>
               <a:rPr lang="en-US" dirty="0"/>
-              <a:t>(Chapter 16)</a:t>
+              <a:t>(Chapter 16 of </a:t>
+            </a:r>
+            <a:r>
+              <a:rPr lang="en-US" dirty="0" err="1"/>
+              <a:t>HtDP</a:t>
+            </a:r>
+            <a:r>
+              <a:rPr lang="en-US" dirty="0"/>
+              <a:t>/2e)</a:t>
             </a:r>
           </a:p>
         </p:txBody>
@@ -15146,7 +15166,7 @@
             </a:br>
             <a:r>
               <a:rPr lang="en-US" dirty="0"/>
-              <a:t>(Chapter 18)</a:t>
+              <a:t>(Chapter 16)</a:t>
             </a:r>
           </a:p>
         </p:txBody>
@@ -15551,7 +15571,7 @@
             </a:br>
             <a:r>
               <a:rPr lang="en-US" dirty="0"/>
-              <a:t>(Chapter 18)</a:t>
+              <a:t>(Chapter 16)</a:t>
             </a:r>
           </a:p>
         </p:txBody>
